--- a/Contact Manager Presentation.pptx
+++ b/Contact Manager Presentation.pptx
@@ -11,15 +11,16 @@
   </p:sldMasterIdLst>
   <p:sldIdLst>
     <p:sldId id="266" r:id="rId7"/>
-    <p:sldId id="258" r:id="rId8"/>
-    <p:sldId id="268" r:id="rId9"/>
-    <p:sldId id="265" r:id="rId10"/>
-    <p:sldId id="267" r:id="rId11"/>
-    <p:sldId id="269" r:id="rId12"/>
-    <p:sldId id="262" r:id="rId13"/>
-    <p:sldId id="263" r:id="rId14"/>
-    <p:sldId id="259" r:id="rId15"/>
-    <p:sldId id="261" r:id="rId16"/>
+    <p:sldId id="265" r:id="rId8"/>
+    <p:sldId id="258" r:id="rId9"/>
+    <p:sldId id="268" r:id="rId10"/>
+    <p:sldId id="270" r:id="rId11"/>
+    <p:sldId id="267" r:id="rId12"/>
+    <p:sldId id="269" r:id="rId13"/>
+    <p:sldId id="262" r:id="rId14"/>
+    <p:sldId id="263" r:id="rId15"/>
+    <p:sldId id="259" r:id="rId16"/>
+    <p:sldId id="261" r:id="rId17"/>
   </p:sldIdLst>
   <p:sldSz cx="12192000" cy="6858000"/>
   <p:notesSz cx="6858000" cy="9144000"/>
@@ -36573,6 +36574,105 @@
           <a:chExt cx="0" cy="0"/>
         </a:xfrm>
       </p:grpSpPr>
+      <p:sp>
+        <p:nvSpPr>
+          <p:cNvPr id="2" name="Title 1">
+            <a:extLst>
+              <a:ext uri="{FF2B5EF4-FFF2-40B4-BE49-F238E27FC236}">
+                <a16:creationId xmlns:a16="http://schemas.microsoft.com/office/drawing/2014/main" xmlns="" id="{BD3DFE0B-3E4B-4314-89AF-3EFF4FB70CC6}"/>
+              </a:ext>
+            </a:extLst>
+          </p:cNvPr>
+          <p:cNvSpPr>
+            <a:spLocks noGrp="1"/>
+          </p:cNvSpPr>
+          <p:nvPr>
+            <p:ph type="title"/>
+          </p:nvPr>
+        </p:nvSpPr>
+        <p:spPr/>
+        <p:txBody>
+          <a:bodyPr/>
+          <a:lstStyle/>
+          <a:p>
+            <a:r>
+              <a:rPr lang="en-US" dirty="0" smtClean="0"/>
+              <a:t>Summary</a:t>
+            </a:r>
+            <a:endParaRPr lang="en-US" dirty="0"/>
+          </a:p>
+        </p:txBody>
+      </p:sp>
+      <p:sp>
+        <p:nvSpPr>
+          <p:cNvPr id="3" name="Content Placeholder 2">
+            <a:extLst>
+              <a:ext uri="{FF2B5EF4-FFF2-40B4-BE49-F238E27FC236}">
+                <a16:creationId xmlns:a16="http://schemas.microsoft.com/office/drawing/2014/main" xmlns="" id="{EAF19397-DC8C-49AE-9158-55151609973B}"/>
+              </a:ext>
+            </a:extLst>
+          </p:cNvPr>
+          <p:cNvSpPr>
+            <a:spLocks noGrp="1"/>
+          </p:cNvSpPr>
+          <p:nvPr>
+            <p:ph idx="1"/>
+          </p:nvPr>
+        </p:nvSpPr>
+        <p:spPr/>
+        <p:txBody>
+          <a:bodyPr/>
+          <a:lstStyle/>
+          <a:p>
+            <a:endParaRPr lang="en-US" dirty="0"/>
+          </a:p>
+          <a:p>
+            <a:endParaRPr lang="en-US" dirty="0"/>
+          </a:p>
+        </p:txBody>
+      </p:sp>
+    </p:spTree>
+    <p:extLst>
+      <p:ext uri="{BB962C8B-B14F-4D97-AF65-F5344CB8AC3E}">
+        <p14:creationId xmlns:p14="http://schemas.microsoft.com/office/powerpoint/2010/main" val="2727164713"/>
+      </p:ext>
+    </p:extLst>
+  </p:cSld>
+  <p:clrMapOvr>
+    <a:masterClrMapping/>
+  </p:clrMapOvr>
+  <mc:AlternateContent xmlns:mc="http://schemas.openxmlformats.org/markup-compatibility/2006" xmlns:p14="http://schemas.microsoft.com/office/powerpoint/2010/main">
+    <mc:Choice Requires="p14">
+      <p:transition spd="slow" p14:dur="2500">
+        <p:checker/>
+      </p:transition>
+    </mc:Choice>
+    <mc:Fallback xmlns="">
+      <p:transition spd="slow">
+        <p:checker/>
+      </p:transition>
+    </mc:Fallback>
+  </mc:AlternateContent>
+</p:sld>
+</file>
+
+<file path=ppt/slides/slide11.xml><?xml version="1.0" encoding="utf-8"?>
+<p:sld xmlns:a="http://schemas.openxmlformats.org/drawingml/2006/main" xmlns:r="http://schemas.openxmlformats.org/officeDocument/2006/relationships" xmlns:p="http://schemas.openxmlformats.org/presentationml/2006/main">
+  <p:cSld>
+    <p:spTree>
+      <p:nvGrpSpPr>
+        <p:cNvPr id="1" name=""/>
+        <p:cNvGrpSpPr/>
+        <p:nvPr/>
+      </p:nvGrpSpPr>
+      <p:grpSpPr>
+        <a:xfrm>
+          <a:off x="0" y="0"/>
+          <a:ext cx="0" cy="0"/>
+          <a:chOff x="0" y="0"/>
+          <a:chExt cx="0" cy="0"/>
+        </a:xfrm>
+      </p:grpSpPr>
       <p:pic>
         <p:nvPicPr>
           <p:cNvPr id="4" name="Picture 3">
@@ -36639,116 +36739,51 @@
           <a:chExt cx="0" cy="0"/>
         </a:xfrm>
       </p:grpSpPr>
-      <p:sp>
-        <p:nvSpPr>
-          <p:cNvPr id="2" name="Title 1">
+      <p:pic>
+        <p:nvPicPr>
+          <p:cNvPr id="4" name="Content Placeholder 3">
             <a:extLst>
               <a:ext uri="{FF2B5EF4-FFF2-40B4-BE49-F238E27FC236}">
-                <a16:creationId xmlns:a16="http://schemas.microsoft.com/office/drawing/2014/main" xmlns="" id="{2785097A-CFD1-4E68-9B19-6A270BE1B67E}"/>
+                <a16:creationId xmlns:a16="http://schemas.microsoft.com/office/drawing/2014/main" xmlns="" id="{04A6347F-D243-441C-9EE9-E635AFC8BB31}"/>
               </a:ext>
             </a:extLst>
           </p:cNvPr>
-          <p:cNvSpPr>
-            <a:spLocks noGrp="1"/>
-          </p:cNvSpPr>
-          <p:nvPr>
-            <p:ph type="title"/>
-          </p:nvPr>
-        </p:nvSpPr>
-        <p:spPr/>
-        <p:txBody>
-          <a:bodyPr/>
-          <a:lstStyle/>
-          <a:p>
-            <a:r>
-              <a:rPr lang="en-US" dirty="0"/>
-              <a:t>Introduction and Synopsis</a:t>
-            </a:r>
-          </a:p>
-        </p:txBody>
-      </p:sp>
-      <p:sp>
-        <p:nvSpPr>
-          <p:cNvPr id="3" name="Content Placeholder 2">
+          <p:cNvPicPr>
+            <a:picLocks noGrp="1" noChangeAspect="1"/>
+          </p:cNvPicPr>
+          <p:nvPr>
+            <p:ph idx="1"/>
+          </p:nvPr>
+        </p:nvPicPr>
+        <p:blipFill>
+          <a:blip r:embed="rId2">
             <a:extLst>
-              <a:ext uri="{FF2B5EF4-FFF2-40B4-BE49-F238E27FC236}">
-                <a16:creationId xmlns:a16="http://schemas.microsoft.com/office/drawing/2014/main" xmlns="" id="{2D4327B2-FFFD-4F77-BEB7-1824C2A1530E}"/>
+              <a:ext uri="{28A0092B-C50C-407E-A947-70E740481C1C}">
+                <a14:useLocalDpi xmlns:a14="http://schemas.microsoft.com/office/drawing/2010/main" val="0"/>
               </a:ext>
             </a:extLst>
-          </p:cNvPr>
-          <p:cNvSpPr>
-            <a:spLocks noGrp="1"/>
-          </p:cNvSpPr>
-          <p:nvPr>
-            <p:ph idx="1"/>
-          </p:nvPr>
-        </p:nvSpPr>
-        <p:spPr/>
-        <p:txBody>
-          <a:bodyPr>
-            <a:normAutofit/>
-          </a:bodyPr>
-          <a:lstStyle/>
-          <a:p>
-            <a:r>
-              <a:rPr lang="en-US" dirty="0"/>
-              <a:t>Open-environment for studying</a:t>
-            </a:r>
-          </a:p>
-          <a:p>
-            <a:r>
-              <a:rPr lang="en-US" dirty="0"/>
-              <a:t>No confinement by the restraints of Facebook or GroupMe for a single course, you are now open to an entire community of people for an unlimited amount of courses and topics.</a:t>
-            </a:r>
-          </a:p>
-          <a:p>
-            <a:r>
-              <a:rPr lang="en-US" dirty="0"/>
-              <a:t>Develop communities for similar interest of studies</a:t>
-            </a:r>
-          </a:p>
-          <a:p>
-            <a:r>
-              <a:rPr lang="en-US" dirty="0"/>
-              <a:t>Coordinate face-face meetup in local area</a:t>
-            </a:r>
-          </a:p>
-          <a:p>
-            <a:endParaRPr lang="en-US" dirty="0"/>
-          </a:p>
-          <a:p>
-            <a:endParaRPr lang="en-US" dirty="0"/>
-          </a:p>
-          <a:p>
-            <a:pPr marL="0" indent="0">
-              <a:buNone/>
-            </a:pPr>
-            <a:endParaRPr lang="en-US" dirty="0"/>
-          </a:p>
-        </p:txBody>
-      </p:sp>
+          </a:blip>
+          <a:stretch>
+            <a:fillRect/>
+          </a:stretch>
+        </p:blipFill>
+        <p:spPr>
+          <a:xfrm>
+            <a:off x="0" y="0"/>
+            <a:ext cx="12192000" cy="6858000"/>
+          </a:xfrm>
+        </p:spPr>
+      </p:pic>
     </p:spTree>
     <p:extLst>
       <p:ext uri="{BB962C8B-B14F-4D97-AF65-F5344CB8AC3E}">
-        <p14:creationId xmlns:p14="http://schemas.microsoft.com/office/powerpoint/2010/main" val="1769901632"/>
+        <p14:creationId xmlns:p14="http://schemas.microsoft.com/office/powerpoint/2010/main" val="1882993130"/>
       </p:ext>
     </p:extLst>
   </p:cSld>
   <p:clrMapOvr>
     <a:masterClrMapping/>
   </p:clrMapOvr>
-  <mc:AlternateContent xmlns:mc="http://schemas.openxmlformats.org/markup-compatibility/2006" xmlns:p14="http://schemas.microsoft.com/office/powerpoint/2010/main">
-    <mc:Choice Requires="p14">
-      <p:transition spd="slow" p14:dur="2000">
-        <p14:prism isContent="1"/>
-      </p:transition>
-    </mc:Choice>
-    <mc:Fallback xmlns="">
-      <p:transition spd="slow">
-        <p:fade/>
-      </p:transition>
-    </mc:Fallback>
-  </mc:AlternateContent>
 </p:sld>
 </file>
 
@@ -36792,13 +36827,8 @@
           <a:p>
             <a:r>
               <a:rPr lang="en-US" dirty="0"/>
-              <a:t>What is the project</a:t>
-            </a:r>
-            <a:r>
-              <a:rPr lang="en-US" dirty="0" smtClean="0"/>
-              <a:t>?</a:t>
-            </a:r>
-            <a:endParaRPr lang="en-US" dirty="0"/>
+              <a:t>Introduction and Synopsis</a:t>
+            </a:r>
           </a:p>
         </p:txBody>
       </p:sp>
@@ -36818,12 +36848,7 @@
             <p:ph idx="1"/>
           </p:nvPr>
         </p:nvSpPr>
-        <p:spPr>
-          <a:xfrm>
-            <a:off x="1103312" y="1894114"/>
-            <a:ext cx="8946541" cy="4354285"/>
-          </a:xfrm>
-        </p:spPr>
+        <p:spPr/>
         <p:txBody>
           <a:bodyPr>
             <a:normAutofit/>
@@ -36832,50 +36857,29 @@
           <a:p>
             <a:r>
               <a:rPr lang="en-US" dirty="0"/>
-              <a:t>The project is </a:t>
-            </a:r>
-            <a:r>
-              <a:rPr lang="en-US" dirty="0" smtClean="0"/>
-              <a:t>a meet up app, named Studbud.</a:t>
-            </a:r>
-          </a:p>
-          <a:p>
-            <a:r>
-              <a:rPr lang="en-US" dirty="0" smtClean="0"/>
-              <a:t>Social Networking app, with authentication, profiles, dashboard, posts, groups, etc.</a:t>
-            </a:r>
-            <a:endParaRPr lang="en-US" dirty="0" smtClean="0"/>
-          </a:p>
-          <a:p>
-            <a:r>
-              <a:rPr lang="en-US" dirty="0" smtClean="0"/>
-              <a:t>Give users the ability to search for study groups using keywords as well as hash tags. </a:t>
-            </a:r>
-          </a:p>
-          <a:p>
-            <a:r>
-              <a:rPr lang="en-US" dirty="0" smtClean="0"/>
-              <a:t>Can use geolocation or zip code to find study groups locally.</a:t>
-            </a:r>
-          </a:p>
-          <a:p>
-            <a:r>
-              <a:rPr lang="en-US" dirty="0" smtClean="0"/>
-              <a:t>Moderator privileges within study groups.</a:t>
-            </a:r>
-          </a:p>
-          <a:p>
-            <a:r>
-              <a:rPr lang="en-US" dirty="0" smtClean="0"/>
-              <a:t>In-app user communication, ability to notify all users of a specific group by push, email, or SMS.</a:t>
-            </a:r>
-          </a:p>
-          <a:p>
-            <a:r>
-              <a:rPr lang="en-US" dirty="0" smtClean="0"/>
-              <a:t>Using MongoDB, Express, Redux, and Node.js (MERN) stack development.</a:t>
-            </a:r>
-            <a:endParaRPr lang="en-US" dirty="0" smtClean="0"/>
+              <a:t>Open-environment for studying</a:t>
+            </a:r>
+          </a:p>
+          <a:p>
+            <a:r>
+              <a:rPr lang="en-US" dirty="0"/>
+              <a:t>No confinement by the restraints of Facebook or GroupMe for a single course, you are now open to an entire community of people for an unlimited amount of courses and topics.</a:t>
+            </a:r>
+          </a:p>
+          <a:p>
+            <a:r>
+              <a:rPr lang="en-US" dirty="0"/>
+              <a:t>Develop communities for similar interest of studies</a:t>
+            </a:r>
+          </a:p>
+          <a:p>
+            <a:r>
+              <a:rPr lang="en-US" dirty="0"/>
+              <a:t>Coordinate face-face meetup in local area</a:t>
+            </a:r>
+          </a:p>
+          <a:p>
+            <a:endParaRPr lang="en-US" dirty="0"/>
           </a:p>
           <a:p>
             <a:endParaRPr lang="en-US" dirty="0"/>
@@ -36891,7 +36895,7 @@
     </p:spTree>
     <p:extLst>
       <p:ext uri="{BB962C8B-B14F-4D97-AF65-F5344CB8AC3E}">
-        <p14:creationId xmlns:p14="http://schemas.microsoft.com/office/powerpoint/2010/main" val="2386435768"/>
+        <p14:creationId xmlns:p14="http://schemas.microsoft.com/office/powerpoint/2010/main" val="1769901632"/>
       </p:ext>
     </p:extLst>
   </p:cSld>
@@ -36930,57 +36934,175 @@
           <a:chExt cx="0" cy="0"/>
         </a:xfrm>
       </p:grpSpPr>
-      <p:pic>
-        <p:nvPicPr>
-          <p:cNvPr id="4" name="Content Placeholder 3">
+      <p:sp>
+        <p:nvSpPr>
+          <p:cNvPr id="2" name="Title 1">
             <a:extLst>
               <a:ext uri="{FF2B5EF4-FFF2-40B4-BE49-F238E27FC236}">
-                <a16:creationId xmlns:a16="http://schemas.microsoft.com/office/drawing/2014/main" xmlns="" id="{04A6347F-D243-441C-9EE9-E635AFC8BB31}"/>
+                <a16:creationId xmlns:a16="http://schemas.microsoft.com/office/drawing/2014/main" xmlns="" id="{2785097A-CFD1-4E68-9B19-6A270BE1B67E}"/>
               </a:ext>
             </a:extLst>
           </p:cNvPr>
-          <p:cNvPicPr>
-            <a:picLocks noGrp="1" noChangeAspect="1"/>
-          </p:cNvPicPr>
-          <p:nvPr>
-            <p:ph idx="1"/>
-          </p:nvPr>
-        </p:nvPicPr>
-        <p:blipFill>
-          <a:blip r:embed="rId2">
+          <p:cNvSpPr>
+            <a:spLocks noGrp="1"/>
+          </p:cNvSpPr>
+          <p:nvPr>
+            <p:ph type="title"/>
+          </p:nvPr>
+        </p:nvSpPr>
+        <p:spPr/>
+        <p:txBody>
+          <a:bodyPr/>
+          <a:lstStyle/>
+          <a:p>
+            <a:r>
+              <a:rPr lang="en-US" dirty="0"/>
+              <a:t>What is the project</a:t>
+            </a:r>
+            <a:r>
+              <a:rPr lang="en-US" dirty="0" smtClean="0"/>
+              <a:t>?</a:t>
+            </a:r>
+            <a:endParaRPr lang="en-US" dirty="0"/>
+          </a:p>
+        </p:txBody>
+      </p:sp>
+      <p:sp>
+        <p:nvSpPr>
+          <p:cNvPr id="3" name="Content Placeholder 2">
             <a:extLst>
-              <a:ext uri="{28A0092B-C50C-407E-A947-70E740481C1C}">
-                <a14:useLocalDpi xmlns:a14="http://schemas.microsoft.com/office/drawing/2010/main" val="0"/>
+              <a:ext uri="{FF2B5EF4-FFF2-40B4-BE49-F238E27FC236}">
+                <a16:creationId xmlns:a16="http://schemas.microsoft.com/office/drawing/2014/main" xmlns="" id="{2D4327B2-FFFD-4F77-BEB7-1824C2A1530E}"/>
               </a:ext>
             </a:extLst>
-          </a:blip>
-          <a:stretch>
-            <a:fillRect/>
-          </a:stretch>
-        </p:blipFill>
+          </p:cNvPr>
+          <p:cNvSpPr>
+            <a:spLocks noGrp="1"/>
+          </p:cNvSpPr>
+          <p:nvPr>
+            <p:ph idx="1"/>
+          </p:nvPr>
+        </p:nvSpPr>
         <p:spPr>
           <a:xfrm>
-            <a:off x="0" y="0"/>
-            <a:ext cx="12192000" cy="6858000"/>
+            <a:off x="1103312" y="1894114"/>
+            <a:ext cx="8946541" cy="4354285"/>
           </a:xfrm>
         </p:spPr>
-      </p:pic>
+        <p:txBody>
+          <a:bodyPr>
+            <a:normAutofit/>
+          </a:bodyPr>
+          <a:lstStyle/>
+          <a:p>
+            <a:r>
+              <a:rPr lang="en-US" dirty="0"/>
+              <a:t>The project is </a:t>
+            </a:r>
+            <a:r>
+              <a:rPr lang="en-US" dirty="0" smtClean="0"/>
+              <a:t>a meet up app, named Studbud.</a:t>
+            </a:r>
+          </a:p>
+          <a:p>
+            <a:r>
+              <a:rPr lang="en-US" dirty="0" smtClean="0"/>
+              <a:t>Social Networking app, with authentication, profiles, dashboard, posts, groups, etc.</a:t>
+            </a:r>
+            <a:endParaRPr lang="en-US" dirty="0" smtClean="0"/>
+          </a:p>
+          <a:p>
+            <a:r>
+              <a:rPr lang="en-US" dirty="0" smtClean="0"/>
+              <a:t>Give users the ability to search for study groups using keywords as well as hash tags. </a:t>
+            </a:r>
+          </a:p>
+          <a:p>
+            <a:r>
+              <a:rPr lang="en-US" dirty="0" smtClean="0"/>
+              <a:t>Can use geolocation or zip code to find study groups locally.</a:t>
+            </a:r>
+          </a:p>
+          <a:p>
+            <a:r>
+              <a:rPr lang="en-US" dirty="0" smtClean="0"/>
+              <a:t>Moderator privileges within study groups.</a:t>
+            </a:r>
+          </a:p>
+          <a:p>
+            <a:r>
+              <a:rPr lang="en-US" dirty="0" smtClean="0"/>
+              <a:t>In-app user communication, ability to notify all users of a specific group by push, email, or SMS.</a:t>
+            </a:r>
+          </a:p>
+          <a:p>
+            <a:r>
+              <a:rPr lang="en-US" dirty="0" smtClean="0"/>
+              <a:t>Using MongoDB, Express, Redux, and Node.js (MERN) stack development.</a:t>
+            </a:r>
+            <a:endParaRPr lang="en-US" dirty="0" smtClean="0"/>
+          </a:p>
+          <a:p>
+            <a:endParaRPr lang="en-US" dirty="0"/>
+          </a:p>
+          <a:p>
+            <a:pPr marL="0" indent="0">
+              <a:buNone/>
+            </a:pPr>
+            <a:endParaRPr lang="en-US" dirty="0"/>
+          </a:p>
+        </p:txBody>
+      </p:sp>
     </p:spTree>
     <p:extLst>
       <p:ext uri="{BB962C8B-B14F-4D97-AF65-F5344CB8AC3E}">
-        <p14:creationId xmlns:p14="http://schemas.microsoft.com/office/powerpoint/2010/main" val="1882993130"/>
+        <p14:creationId xmlns:p14="http://schemas.microsoft.com/office/powerpoint/2010/main" val="2386435768"/>
       </p:ext>
     </p:extLst>
   </p:cSld>
   <p:clrMapOvr>
     <a:masterClrMapping/>
   </p:clrMapOvr>
+  <mc:AlternateContent xmlns:mc="http://schemas.openxmlformats.org/markup-compatibility/2006" xmlns:p14="http://schemas.microsoft.com/office/powerpoint/2010/main">
+    <mc:Choice Requires="p14">
+      <p:transition spd="slow" p14:dur="2000">
+        <p14:prism isContent="1"/>
+      </p:transition>
+    </mc:Choice>
+    <mc:Fallback xmlns="">
+      <p:transition spd="slow">
+        <p:fade/>
+      </p:transition>
+    </mc:Fallback>
+  </mc:AlternateContent>
 </p:sld>
 </file>
 
 <file path=ppt/slides/slide5.xml><?xml version="1.0" encoding="utf-8"?>
 <p:sld xmlns:a="http://schemas.openxmlformats.org/drawingml/2006/main" xmlns:r="http://schemas.openxmlformats.org/officeDocument/2006/relationships" xmlns:p="http://schemas.openxmlformats.org/presentationml/2006/main">
   <p:cSld>
+    <p:bg>
+      <p:bgPr>
+        <a:gradFill>
+          <a:gsLst>
+            <a:gs pos="0">
+              <a:srgbClr val="5E9EFF"/>
+            </a:gs>
+            <a:gs pos="39999">
+              <a:srgbClr val="85C2FF"/>
+            </a:gs>
+            <a:gs pos="70000">
+              <a:srgbClr val="C4D6EB"/>
+            </a:gs>
+            <a:gs pos="100000">
+              <a:srgbClr val="FFEBFA"/>
+            </a:gs>
+          </a:gsLst>
+          <a:lin ang="5400000" scaled="0"/>
+        </a:gradFill>
+        <a:effectLst/>
+      </p:bgPr>
+    </p:bg>
     <p:spTree>
       <p:nvGrpSpPr>
         <p:cNvPr id="1" name=""/>
@@ -36997,13 +37119,7 @@
       </p:grpSpPr>
       <p:sp>
         <p:nvSpPr>
-          <p:cNvPr id="2" name="Title 1">
-            <a:extLst>
-              <a:ext uri="{FF2B5EF4-FFF2-40B4-BE49-F238E27FC236}">
-                <a16:creationId xmlns:a16="http://schemas.microsoft.com/office/drawing/2014/main" xmlns="" id="{EDC60C7D-5E8F-4735-AB27-90B5F6B85931}"/>
-              </a:ext>
-            </a:extLst>
-          </p:cNvPr>
+          <p:cNvPr id="2" name="Title 1"/>
           <p:cNvSpPr>
             <a:spLocks noGrp="1"/>
           </p:cNvSpPr>
@@ -37017,21 +37133,24 @@
           <a:lstStyle/>
           <a:p>
             <a:r>
-              <a:rPr lang="en-US" dirty="0"/>
-              <a:t>Frameworks and Software</a:t>
-            </a:r>
-          </a:p>
-        </p:txBody>
-      </p:sp>
-      <p:sp>
-        <p:nvSpPr>
-          <p:cNvPr id="3" name="Content Placeholder 2">
-            <a:extLst>
-              <a:ext uri="{FF2B5EF4-FFF2-40B4-BE49-F238E27FC236}">
-                <a16:creationId xmlns:a16="http://schemas.microsoft.com/office/drawing/2014/main" xmlns="" id="{29B26CB3-40A7-4A50-BBE5-AE55E6C8F018}"/>
-              </a:ext>
-            </a:extLst>
-          </p:cNvPr>
+              <a:rPr lang="en-US" dirty="0" smtClean="0">
+                <a:solidFill>
+                  <a:schemeClr val="bg1"/>
+                </a:solidFill>
+              </a:rPr>
+              <a:t>Features</a:t>
+            </a:r>
+            <a:endParaRPr lang="en-US" dirty="0">
+              <a:solidFill>
+                <a:schemeClr val="bg1"/>
+              </a:solidFill>
+            </a:endParaRPr>
+          </a:p>
+        </p:txBody>
+      </p:sp>
+      <p:sp>
+        <p:nvSpPr>
+          <p:cNvPr id="3" name="Content Placeholder 2"/>
           <p:cNvSpPr>
             <a:spLocks noGrp="1"/>
           </p:cNvSpPr>
@@ -37041,52 +37160,56 @@
         </p:nvSpPr>
         <p:spPr/>
         <p:txBody>
-          <a:bodyPr>
-            <a:normAutofit fontScale="92500"/>
-          </a:bodyPr>
+          <a:bodyPr/>
           <a:lstStyle/>
           <a:p>
             <a:r>
-              <a:rPr lang="en-US" dirty="0"/>
-              <a:t>Web application and Mobile application will be implemented with  MERN(MongoDB Express Redux Node.js) stack development</a:t>
-            </a:r>
-          </a:p>
-          <a:p>
-            <a:r>
-              <a:rPr lang="en-US" dirty="0"/>
-              <a:t>Front-end development will be done with react(Web) and react-native(mobile app)</a:t>
-            </a:r>
-          </a:p>
-          <a:p>
-            <a:r>
-              <a:rPr lang="en-US" dirty="0"/>
-              <a:t>Database for both react and react- native will be situated and  maintained through MongoDB which stores data as JSON folders.</a:t>
-            </a:r>
-          </a:p>
-          <a:p>
-            <a:r>
-              <a:rPr lang="en-US" dirty="0"/>
-              <a:t>Redux  is a JavaScript library  which will be utilized for state management.</a:t>
-            </a:r>
-          </a:p>
-          <a:p>
-            <a:r>
-              <a:rPr lang="en-US" dirty="0"/>
-              <a:t>Node.js will support routing of requests and access to the backend API.</a:t>
-            </a:r>
-          </a:p>
-          <a:p>
-            <a:endParaRPr lang="en-US" dirty="0"/>
-          </a:p>
-          <a:p>
-            <a:endParaRPr lang="en-US" dirty="0"/>
+              <a:rPr lang="en-US" dirty="0" smtClean="0"/>
+              <a:t>Privacy and Security</a:t>
+            </a:r>
+          </a:p>
+          <a:p>
+            <a:r>
+              <a:rPr lang="en-US" dirty="0" smtClean="0"/>
+              <a:t>Notifications of user activity within joined groups</a:t>
+            </a:r>
+          </a:p>
+          <a:p>
+            <a:r>
+              <a:rPr lang="en-US" dirty="0" smtClean="0"/>
+              <a:t>Customizable individual profiles</a:t>
+            </a:r>
+          </a:p>
+          <a:p>
+            <a:r>
+              <a:rPr lang="en-US" dirty="0" smtClean="0"/>
+              <a:t>Ability to create public and private groups</a:t>
+            </a:r>
+          </a:p>
+          <a:p>
+            <a:r>
+              <a:rPr lang="en-US" dirty="0" smtClean="0"/>
+              <a:t>Add relevant hash tags to groups</a:t>
+            </a:r>
+          </a:p>
+          <a:p>
+            <a:r>
+              <a:rPr lang="en-US" dirty="0" smtClean="0"/>
+              <a:t>Voice and Audio chat with group members</a:t>
+            </a:r>
+          </a:p>
+          <a:p>
+            <a:r>
+              <a:rPr lang="en-US" dirty="0" smtClean="0"/>
+              <a:t>Users can communicate privately with one another within the app</a:t>
+            </a:r>
           </a:p>
         </p:txBody>
       </p:sp>
     </p:spTree>
     <p:extLst>
       <p:ext uri="{BB962C8B-B14F-4D97-AF65-F5344CB8AC3E}">
-        <p14:creationId xmlns:p14="http://schemas.microsoft.com/office/powerpoint/2010/main" val="868187945"/>
+        <p14:creationId xmlns:p14="http://schemas.microsoft.com/office/powerpoint/2010/main" val="1951127834"/>
       </p:ext>
     </p:extLst>
   </p:cSld>
@@ -37135,6 +37258,124 @@
           <a:lstStyle/>
           <a:p>
             <a:r>
+              <a:rPr lang="en-US" dirty="0"/>
+              <a:t>Frameworks and Software</a:t>
+            </a:r>
+          </a:p>
+        </p:txBody>
+      </p:sp>
+      <p:sp>
+        <p:nvSpPr>
+          <p:cNvPr id="3" name="Content Placeholder 2">
+            <a:extLst>
+              <a:ext uri="{FF2B5EF4-FFF2-40B4-BE49-F238E27FC236}">
+                <a16:creationId xmlns:a16="http://schemas.microsoft.com/office/drawing/2014/main" xmlns="" id="{29B26CB3-40A7-4A50-BBE5-AE55E6C8F018}"/>
+              </a:ext>
+            </a:extLst>
+          </p:cNvPr>
+          <p:cNvSpPr>
+            <a:spLocks noGrp="1"/>
+          </p:cNvSpPr>
+          <p:nvPr>
+            <p:ph idx="1"/>
+          </p:nvPr>
+        </p:nvSpPr>
+        <p:spPr/>
+        <p:txBody>
+          <a:bodyPr>
+            <a:normAutofit fontScale="92500"/>
+          </a:bodyPr>
+          <a:lstStyle/>
+          <a:p>
+            <a:r>
+              <a:rPr lang="en-US" dirty="0"/>
+              <a:t>Web application and Mobile application will be implemented with  MERN(MongoDB Express Redux Node.js) stack development</a:t>
+            </a:r>
+          </a:p>
+          <a:p>
+            <a:r>
+              <a:rPr lang="en-US" dirty="0"/>
+              <a:t>Front-end development will be done with react(Web) and react-native(mobile app)</a:t>
+            </a:r>
+          </a:p>
+          <a:p>
+            <a:r>
+              <a:rPr lang="en-US" dirty="0"/>
+              <a:t>Database for both react and react- native will be situated and  maintained through MongoDB which stores data as JSON folders.</a:t>
+            </a:r>
+          </a:p>
+          <a:p>
+            <a:r>
+              <a:rPr lang="en-US" dirty="0"/>
+              <a:t>Redux  is a JavaScript library  which will be utilized for state management.</a:t>
+            </a:r>
+          </a:p>
+          <a:p>
+            <a:r>
+              <a:rPr lang="en-US" dirty="0"/>
+              <a:t>Node.js will support routing of requests and access to the backend API.</a:t>
+            </a:r>
+          </a:p>
+          <a:p>
+            <a:endParaRPr lang="en-US" dirty="0"/>
+          </a:p>
+          <a:p>
+            <a:endParaRPr lang="en-US" dirty="0"/>
+          </a:p>
+        </p:txBody>
+      </p:sp>
+    </p:spTree>
+    <p:extLst>
+      <p:ext uri="{BB962C8B-B14F-4D97-AF65-F5344CB8AC3E}">
+        <p14:creationId xmlns:p14="http://schemas.microsoft.com/office/powerpoint/2010/main" val="868187945"/>
+      </p:ext>
+    </p:extLst>
+  </p:cSld>
+  <p:clrMapOvr>
+    <a:masterClrMapping/>
+  </p:clrMapOvr>
+</p:sld>
+</file>
+
+<file path=ppt/slides/slide7.xml><?xml version="1.0" encoding="utf-8"?>
+<p:sld xmlns:a="http://schemas.openxmlformats.org/drawingml/2006/main" xmlns:r="http://schemas.openxmlformats.org/officeDocument/2006/relationships" xmlns:p="http://schemas.openxmlformats.org/presentationml/2006/main">
+  <p:cSld>
+    <p:spTree>
+      <p:nvGrpSpPr>
+        <p:cNvPr id="1" name=""/>
+        <p:cNvGrpSpPr/>
+        <p:nvPr/>
+      </p:nvGrpSpPr>
+      <p:grpSpPr>
+        <a:xfrm>
+          <a:off x="0" y="0"/>
+          <a:ext cx="0" cy="0"/>
+          <a:chOff x="0" y="0"/>
+          <a:chExt cx="0" cy="0"/>
+        </a:xfrm>
+      </p:grpSpPr>
+      <p:sp>
+        <p:nvSpPr>
+          <p:cNvPr id="2" name="Title 1">
+            <a:extLst>
+              <a:ext uri="{FF2B5EF4-FFF2-40B4-BE49-F238E27FC236}">
+                <a16:creationId xmlns:a16="http://schemas.microsoft.com/office/drawing/2014/main" xmlns="" id="{EDC60C7D-5E8F-4735-AB27-90B5F6B85931}"/>
+              </a:ext>
+            </a:extLst>
+          </p:cNvPr>
+          <p:cNvSpPr>
+            <a:spLocks noGrp="1"/>
+          </p:cNvSpPr>
+          <p:nvPr>
+            <p:ph type="title"/>
+          </p:nvPr>
+        </p:nvSpPr>
+        <p:spPr/>
+        <p:txBody>
+          <a:bodyPr/>
+          <a:lstStyle/>
+          <a:p>
+            <a:r>
               <a:rPr lang="en-US" dirty="0" smtClean="0"/>
               <a:t>// Improvements </a:t>
             </a:r>
@@ -37209,7 +37450,7 @@
 </p:sld>
 </file>
 
-<file path=ppt/slides/slide7.xml><?xml version="1.0" encoding="utf-8"?>
+<file path=ppt/slides/slide8.xml><?xml version="1.0" encoding="utf-8"?>
 <p:sld xmlns:a="http://schemas.openxmlformats.org/drawingml/2006/main" xmlns:r="http://schemas.openxmlformats.org/officeDocument/2006/relationships" xmlns:p="http://schemas.openxmlformats.org/presentationml/2006/main">
   <p:cSld>
     <p:spTree>
@@ -37316,7 +37557,7 @@
 </p:sld>
 </file>
 
-<file path=ppt/slides/slide8.xml><?xml version="1.0" encoding="utf-8"?>
+<file path=ppt/slides/slide9.xml><?xml version="1.0" encoding="utf-8"?>
 <p:sld xmlns:a="http://schemas.openxmlformats.org/drawingml/2006/main" xmlns:r="http://schemas.openxmlformats.org/officeDocument/2006/relationships" xmlns:p="http://schemas.openxmlformats.org/presentationml/2006/main">
   <p:cSld>
     <p:spTree>
@@ -37426,105 +37667,6 @@
     <mc:Fallback xmlns="">
       <p:transition spd="slow">
         <p:fade/>
-      </p:transition>
-    </mc:Fallback>
-  </mc:AlternateContent>
-</p:sld>
-</file>
-
-<file path=ppt/slides/slide9.xml><?xml version="1.0" encoding="utf-8"?>
-<p:sld xmlns:a="http://schemas.openxmlformats.org/drawingml/2006/main" xmlns:r="http://schemas.openxmlformats.org/officeDocument/2006/relationships" xmlns:p="http://schemas.openxmlformats.org/presentationml/2006/main">
-  <p:cSld>
-    <p:spTree>
-      <p:nvGrpSpPr>
-        <p:cNvPr id="1" name=""/>
-        <p:cNvGrpSpPr/>
-        <p:nvPr/>
-      </p:nvGrpSpPr>
-      <p:grpSpPr>
-        <a:xfrm>
-          <a:off x="0" y="0"/>
-          <a:ext cx="0" cy="0"/>
-          <a:chOff x="0" y="0"/>
-          <a:chExt cx="0" cy="0"/>
-        </a:xfrm>
-      </p:grpSpPr>
-      <p:sp>
-        <p:nvSpPr>
-          <p:cNvPr id="2" name="Title 1">
-            <a:extLst>
-              <a:ext uri="{FF2B5EF4-FFF2-40B4-BE49-F238E27FC236}">
-                <a16:creationId xmlns:a16="http://schemas.microsoft.com/office/drawing/2014/main" xmlns="" id="{BD3DFE0B-3E4B-4314-89AF-3EFF4FB70CC6}"/>
-              </a:ext>
-            </a:extLst>
-          </p:cNvPr>
-          <p:cNvSpPr>
-            <a:spLocks noGrp="1"/>
-          </p:cNvSpPr>
-          <p:nvPr>
-            <p:ph type="title"/>
-          </p:nvPr>
-        </p:nvSpPr>
-        <p:spPr/>
-        <p:txBody>
-          <a:bodyPr/>
-          <a:lstStyle/>
-          <a:p>
-            <a:r>
-              <a:rPr lang="en-US" dirty="0" smtClean="0"/>
-              <a:t>Summary</a:t>
-            </a:r>
-            <a:endParaRPr lang="en-US" dirty="0"/>
-          </a:p>
-        </p:txBody>
-      </p:sp>
-      <p:sp>
-        <p:nvSpPr>
-          <p:cNvPr id="3" name="Content Placeholder 2">
-            <a:extLst>
-              <a:ext uri="{FF2B5EF4-FFF2-40B4-BE49-F238E27FC236}">
-                <a16:creationId xmlns:a16="http://schemas.microsoft.com/office/drawing/2014/main" xmlns="" id="{EAF19397-DC8C-49AE-9158-55151609973B}"/>
-              </a:ext>
-            </a:extLst>
-          </p:cNvPr>
-          <p:cNvSpPr>
-            <a:spLocks noGrp="1"/>
-          </p:cNvSpPr>
-          <p:nvPr>
-            <p:ph idx="1"/>
-          </p:nvPr>
-        </p:nvSpPr>
-        <p:spPr/>
-        <p:txBody>
-          <a:bodyPr/>
-          <a:lstStyle/>
-          <a:p>
-            <a:endParaRPr lang="en-US" dirty="0"/>
-          </a:p>
-          <a:p>
-            <a:endParaRPr lang="en-US" dirty="0"/>
-          </a:p>
-        </p:txBody>
-      </p:sp>
-    </p:spTree>
-    <p:extLst>
-      <p:ext uri="{BB962C8B-B14F-4D97-AF65-F5344CB8AC3E}">
-        <p14:creationId xmlns:p14="http://schemas.microsoft.com/office/powerpoint/2010/main" val="2727164713"/>
-      </p:ext>
-    </p:extLst>
-  </p:cSld>
-  <p:clrMapOvr>
-    <a:masterClrMapping/>
-  </p:clrMapOvr>
-  <mc:AlternateContent xmlns:mc="http://schemas.openxmlformats.org/markup-compatibility/2006" xmlns:p14="http://schemas.microsoft.com/office/powerpoint/2010/main">
-    <mc:Choice Requires="p14">
-      <p:transition spd="slow" p14:dur="2500">
-        <p:checker/>
-      </p:transition>
-    </mc:Choice>
-    <mc:Fallback xmlns="">
-      <p:transition spd="slow">
-        <p:checker/>
       </p:transition>
     </mc:Fallback>
   </mc:AlternateContent>
